--- a/清华简约主题-扁平-4-3.pptx
+++ b/清华简约主题-扁平-4-3.pptx
@@ -205,7 +205,7 @@
           <a:p>
             <a:fld id="{BDA51940-DB52-3B48-AABB-9C7938529E4E}" type="datetimeFigureOut">
               <a:rPr kumimoji="1" lang="zh-CN" altLang="en-US" smtClean="0"/>
-              <a:t>2020/6/12</a:t>
+              <a:t>2022/6/9</a:t>
             </a:fld>
             <a:endParaRPr kumimoji="1" lang="zh-CN" altLang="en-US"/>
           </a:p>
@@ -758,52 +758,6 @@
           </p:txBody>
         </p:sp>
       </p:grpSp>
-      <p:pic>
-        <p:nvPicPr>
-          <p:cNvPr id="8" name="图片 7">
-            <a:extLst>
-              <a:ext uri="{FF2B5EF4-FFF2-40B4-BE49-F238E27FC236}">
-                <a16:creationId xmlns:a16="http://schemas.microsoft.com/office/drawing/2014/main" id="{194A483F-9AA2-A24C-BA23-AD5256267A43}"/>
-              </a:ext>
-            </a:extLst>
-          </p:cNvPr>
-          <p:cNvPicPr>
-            <a:picLocks noChangeAspect="1"/>
-          </p:cNvPicPr>
-          <p:nvPr userDrawn="1"/>
-        </p:nvPicPr>
-        <p:blipFill>
-          <a:blip r:embed="rId2" cstate="print">
-            <a:clrChange>
-              <a:clrFrom>
-                <a:srgbClr val="FFFFFF"/>
-              </a:clrFrom>
-              <a:clrTo>
-                <a:srgbClr val="FFFFFF">
-                  <a:alpha val="0"/>
-                </a:srgbClr>
-              </a:clrTo>
-            </a:clrChange>
-            <a:extLst>
-              <a:ext uri="{28A0092B-C50C-407E-A947-70E740481C1C}">
-                <a14:useLocalDpi xmlns:a14="http://schemas.microsoft.com/office/drawing/2010/main" val="0"/>
-              </a:ext>
-            </a:extLst>
-          </a:blip>
-          <a:stretch>
-            <a:fillRect/>
-          </a:stretch>
-        </p:blipFill>
-        <p:spPr>
-          <a:xfrm>
-            <a:off x="6298565" y="408389"/>
-            <a:ext cx="2540842" cy="1072800"/>
-          </a:xfrm>
-          <a:prstGeom prst="rect">
-            <a:avLst/>
-          </a:prstGeom>
-        </p:spPr>
-      </p:pic>
       <p:sp>
         <p:nvSpPr>
           <p:cNvPr id="12" name="Title 1">
@@ -836,9 +790,9 @@
           </a:bodyPr>
           <a:lstStyle>
             <a:lvl1pPr algn="l">
-              <a:defRPr lang="en-US" altLang="en-US" sz="3600" b="0" kern="1200" cap="all" dirty="0">
+              <a:defRPr lang="en-US" altLang="en-US" sz="3600" b="0" kern="1200" cap="none" baseline="0" dirty="0">
                 <a:solidFill>
-                  <a:srgbClr val="5C307D"/>
+                  <a:srgbClr val="660874"/>
                 </a:solidFill>
                 <a:latin typeface="+mj-lt"/>
                 <a:ea typeface="+mj-ea"/>
@@ -884,9 +838,9 @@
           <a:lstStyle>
             <a:lvl1pPr marL="0" indent="0" algn="l">
               <a:buNone/>
-              <a:defRPr sz="2000" cap="all">
+              <a:defRPr sz="2000" cap="none" baseline="0">
                 <a:solidFill>
-                  <a:schemeClr val="accent2"/>
+                  <a:srgbClr val="660874"/>
                 </a:solidFill>
               </a:defRPr>
             </a:lvl1pPr>
@@ -1003,7 +957,7 @@
           <a:p>
             <a:fld id="{E4551058-E5DB-324A-A8E9-6D3BEF243C3B}" type="datetimeFigureOut">
               <a:rPr kumimoji="1" lang="zh-CN" altLang="en-US" smtClean="0"/>
-              <a:t>2020/6/12</a:t>
+              <a:t>2022/6/9</a:t>
             </a:fld>
             <a:endParaRPr kumimoji="1" lang="zh-CN" altLang="en-US"/>
           </a:p>
@@ -1063,6 +1017,36 @@
           </a:p>
         </p:txBody>
       </p:sp>
+      <p:pic>
+        <p:nvPicPr>
+          <p:cNvPr id="14" name="图片 13">
+            <a:extLst>
+              <a:ext uri="{FF2B5EF4-FFF2-40B4-BE49-F238E27FC236}">
+                <a16:creationId xmlns:a16="http://schemas.microsoft.com/office/drawing/2014/main" id="{45288C15-65AD-AA42-B31A-845DD3228CC9}"/>
+              </a:ext>
+            </a:extLst>
+          </p:cNvPr>
+          <p:cNvPicPr>
+            <a:picLocks noChangeAspect="1"/>
+          </p:cNvPicPr>
+          <p:nvPr userDrawn="1"/>
+        </p:nvPicPr>
+        <p:blipFill>
+          <a:blip r:embed="rId2"/>
+          <a:stretch>
+            <a:fillRect/>
+          </a:stretch>
+        </p:blipFill>
+        <p:spPr>
+          <a:xfrm>
+            <a:off x="6175423" y="393448"/>
+            <a:ext cx="2519157" cy="991863"/>
+          </a:xfrm>
+          <a:prstGeom prst="rect">
+            <a:avLst/>
+          </a:prstGeom>
+        </p:spPr>
+      </p:pic>
     </p:spTree>
     <p:extLst>
       <p:ext uri="{BB962C8B-B14F-4D97-AF65-F5344CB8AC3E}">
@@ -1120,14 +1104,14 @@
             <a:lvl1pPr algn="l">
               <a:defRPr sz="2400" b="0">
                 <a:solidFill>
-                  <a:schemeClr val="accent1"/>
+                  <a:srgbClr val="660874"/>
                 </a:solidFill>
               </a:defRPr>
             </a:lvl1pPr>
           </a:lstStyle>
           <a:p>
             <a:r>
-              <a:rPr lang="zh-CN" altLang="en-US"/>
+              <a:rPr lang="zh-CN" altLang="en-US" dirty="0"/>
               <a:t>单击此处编辑母版标题样式</a:t>
             </a:r>
             <a:endParaRPr lang="en-US" dirty="0"/>
@@ -1285,7 +1269,7 @@
           <a:p>
             <a:fld id="{E4551058-E5DB-324A-A8E9-6D3BEF243C3B}" type="datetimeFigureOut">
               <a:rPr kumimoji="1" lang="zh-CN" altLang="en-US" smtClean="0"/>
-              <a:t>2020/6/12</a:t>
+              <a:t>2022/6/9</a:t>
             </a:fld>
             <a:endParaRPr kumimoji="1" lang="zh-CN" altLang="en-US"/>
           </a:p>
@@ -1333,65 +1317,6 @@
           </a:p>
         </p:txBody>
       </p:sp>
-      <p:pic>
-        <p:nvPicPr>
-          <p:cNvPr id="10" name="图片 9">
-            <a:extLst>
-              <a:ext uri="{FF2B5EF4-FFF2-40B4-BE49-F238E27FC236}">
-                <a16:creationId xmlns:a16="http://schemas.microsoft.com/office/drawing/2014/main" id="{B4E0F6E2-B2E4-C148-9E7B-EBC6C0F1ED91}"/>
-              </a:ext>
-            </a:extLst>
-          </p:cNvPr>
-          <p:cNvPicPr/>
-          <p:nvPr userDrawn="1"/>
-        </p:nvPicPr>
-        <p:blipFill rotWithShape="1">
-          <a:blip r:embed="rId2" cstate="print">
-            <a:clrChange>
-              <a:clrFrom>
-                <a:srgbClr val="FEFEFE"/>
-              </a:clrFrom>
-              <a:clrTo>
-                <a:srgbClr val="FEFEFE">
-                  <a:alpha val="0"/>
-                </a:srgbClr>
-              </a:clrTo>
-            </a:clrChange>
-            <a:duotone>
-              <a:schemeClr val="accent1">
-                <a:shade val="45000"/>
-                <a:satMod val="135000"/>
-              </a:schemeClr>
-              <a:prstClr val="white"/>
-            </a:duotone>
-            <a:extLst>
-              <a:ext uri="{BEBA8EAE-BF5A-486C-A8C5-ECC9F3942E4B}">
-                <a14:imgProps xmlns:a14="http://schemas.microsoft.com/office/drawing/2010/main">
-                  <a14:imgLayer r:embed="rId3">
-                    <a14:imgEffect>
-                      <a14:saturation sat="400000"/>
-                    </a14:imgEffect>
-                  </a14:imgLayer>
-                </a14:imgProps>
-              </a:ext>
-              <a:ext uri="{28A0092B-C50C-407E-A947-70E740481C1C}">
-                <a14:useLocalDpi xmlns:a14="http://schemas.microsoft.com/office/drawing/2010/main" val="0"/>
-              </a:ext>
-            </a:extLst>
-          </a:blip>
-          <a:srcRect/>
-          <a:stretch/>
-        </p:blipFill>
-        <p:spPr>
-          <a:xfrm>
-            <a:off x="4315548" y="6026904"/>
-            <a:ext cx="4200525" cy="475343"/>
-          </a:xfrm>
-          <a:prstGeom prst="rect">
-            <a:avLst/>
-          </a:prstGeom>
-        </p:spPr>
-      </p:pic>
     </p:spTree>
     <p:extLst>
       <p:ext uri="{BB962C8B-B14F-4D97-AF65-F5344CB8AC3E}">
@@ -1507,7 +1432,7 @@
           <a:p>
             <a:fld id="{E4551058-E5DB-324A-A8E9-6D3BEF243C3B}" type="datetimeFigureOut">
               <a:rPr kumimoji="1" lang="zh-CN" altLang="en-US" smtClean="0"/>
-              <a:t>2020/6/12</a:t>
+              <a:t>2022/6/9</a:t>
             </a:fld>
             <a:endParaRPr kumimoji="1" lang="zh-CN" altLang="en-US"/>
           </a:p>
@@ -1577,7 +1502,7 @@
           <a:lstStyle/>
           <a:p>
             <a:r>
-              <a:rPr kumimoji="1" lang="zh-CN" altLang="en-US"/>
+              <a:rPr kumimoji="1" lang="zh-CN" altLang="en-US" dirty="0"/>
               <a:t>单击此处编辑母版标题样式</a:t>
             </a:r>
           </a:p>
@@ -1781,7 +1706,7 @@
           <a:p>
             <a:fld id="{E4551058-E5DB-324A-A8E9-6D3BEF243C3B}" type="datetimeFigureOut">
               <a:rPr kumimoji="1" lang="zh-CN" altLang="en-US" smtClean="0"/>
-              <a:t>2020/6/12</a:t>
+              <a:t>2022/6/9</a:t>
             </a:fld>
             <a:endParaRPr kumimoji="1" lang="zh-CN" altLang="en-US"/>
           </a:p>
@@ -1841,65 +1766,6 @@
           </a:p>
         </p:txBody>
       </p:sp>
-      <p:pic>
-        <p:nvPicPr>
-          <p:cNvPr id="9" name="图片 8">
-            <a:extLst>
-              <a:ext uri="{FF2B5EF4-FFF2-40B4-BE49-F238E27FC236}">
-                <a16:creationId xmlns:a16="http://schemas.microsoft.com/office/drawing/2014/main" id="{55272628-8143-4B4C-80F6-09345191E2DE}"/>
-              </a:ext>
-            </a:extLst>
-          </p:cNvPr>
-          <p:cNvPicPr/>
-          <p:nvPr userDrawn="1"/>
-        </p:nvPicPr>
-        <p:blipFill rotWithShape="1">
-          <a:blip r:embed="rId2" cstate="print">
-            <a:clrChange>
-              <a:clrFrom>
-                <a:srgbClr val="FEFEFE"/>
-              </a:clrFrom>
-              <a:clrTo>
-                <a:srgbClr val="FEFEFE">
-                  <a:alpha val="0"/>
-                </a:srgbClr>
-              </a:clrTo>
-            </a:clrChange>
-            <a:duotone>
-              <a:schemeClr val="accent1">
-                <a:shade val="45000"/>
-                <a:satMod val="135000"/>
-              </a:schemeClr>
-              <a:prstClr val="white"/>
-            </a:duotone>
-            <a:extLst>
-              <a:ext uri="{BEBA8EAE-BF5A-486C-A8C5-ECC9F3942E4B}">
-                <a14:imgProps xmlns:a14="http://schemas.microsoft.com/office/drawing/2010/main">
-                  <a14:imgLayer r:embed="rId3">
-                    <a14:imgEffect>
-                      <a14:saturation sat="400000"/>
-                    </a14:imgEffect>
-                  </a14:imgLayer>
-                </a14:imgProps>
-              </a:ext>
-              <a:ext uri="{28A0092B-C50C-407E-A947-70E740481C1C}">
-                <a14:useLocalDpi xmlns:a14="http://schemas.microsoft.com/office/drawing/2010/main" val="0"/>
-              </a:ext>
-            </a:extLst>
-          </a:blip>
-          <a:srcRect/>
-          <a:stretch/>
-        </p:blipFill>
-        <p:spPr>
-          <a:xfrm>
-            <a:off x="4315548" y="6026904"/>
-            <a:ext cx="4200525" cy="475343"/>
-          </a:xfrm>
-          <a:prstGeom prst="rect">
-            <a:avLst/>
-          </a:prstGeom>
-        </p:spPr>
-      </p:pic>
     </p:spTree>
     <p:extLst>
       <p:ext uri="{BB962C8B-B14F-4D97-AF65-F5344CB8AC3E}">
@@ -2009,7 +1875,7 @@
           <a:lstStyle/>
           <a:p>
             <a:r>
-              <a:rPr kumimoji="1" lang="zh-CN" altLang="en-US"/>
+              <a:rPr kumimoji="1" lang="zh-CN" altLang="en-US" dirty="0"/>
               <a:t>单击此处编辑母版标题样式</a:t>
             </a:r>
           </a:p>
@@ -2038,7 +1904,7 @@
           <a:p>
             <a:fld id="{E4551058-E5DB-324A-A8E9-6D3BEF243C3B}" type="datetimeFigureOut">
               <a:rPr kumimoji="1" lang="zh-CN" altLang="en-US" smtClean="0"/>
-              <a:t>2020/6/12</a:t>
+              <a:t>2022/6/9</a:t>
             </a:fld>
             <a:endParaRPr kumimoji="1" lang="zh-CN" altLang="en-US"/>
           </a:p>
@@ -2237,7 +2103,7 @@
           <a:p>
             <a:fld id="{E4551058-E5DB-324A-A8E9-6D3BEF243C3B}" type="datetimeFigureOut">
               <a:rPr kumimoji="1" lang="zh-CN" altLang="en-US" smtClean="0"/>
-              <a:t>2020/6/12</a:t>
+              <a:t>2022/6/9</a:t>
             </a:fld>
             <a:endParaRPr kumimoji="1" lang="zh-CN" altLang="en-US"/>
           </a:p>
@@ -2338,7 +2204,11 @@
           </a:bodyPr>
           <a:lstStyle>
             <a:lvl1pPr algn="l">
-              <a:defRPr sz="3600"/>
+              <a:defRPr sz="3600">
+                <a:solidFill>
+                  <a:srgbClr val="660874"/>
+                </a:solidFill>
+              </a:defRPr>
             </a:lvl1pPr>
           </a:lstStyle>
           <a:p>
@@ -2393,65 +2263,6 @@
           </a:fontRef>
         </p:style>
       </p:sp>
-      <p:pic>
-        <p:nvPicPr>
-          <p:cNvPr id="10" name="图片 9">
-            <a:extLst>
-              <a:ext uri="{FF2B5EF4-FFF2-40B4-BE49-F238E27FC236}">
-                <a16:creationId xmlns:a16="http://schemas.microsoft.com/office/drawing/2014/main" id="{9FF32880-473D-074E-B873-310394DC145B}"/>
-              </a:ext>
-            </a:extLst>
-          </p:cNvPr>
-          <p:cNvPicPr/>
-          <p:nvPr userDrawn="1"/>
-        </p:nvPicPr>
-        <p:blipFill rotWithShape="1">
-          <a:blip r:embed="rId2" cstate="print">
-            <a:clrChange>
-              <a:clrFrom>
-                <a:srgbClr val="FEFEFE"/>
-              </a:clrFrom>
-              <a:clrTo>
-                <a:srgbClr val="FEFEFE">
-                  <a:alpha val="0"/>
-                </a:srgbClr>
-              </a:clrTo>
-            </a:clrChange>
-            <a:duotone>
-              <a:schemeClr val="accent1">
-                <a:shade val="45000"/>
-                <a:satMod val="135000"/>
-              </a:schemeClr>
-              <a:prstClr val="white"/>
-            </a:duotone>
-            <a:extLst>
-              <a:ext uri="{BEBA8EAE-BF5A-486C-A8C5-ECC9F3942E4B}">
-                <a14:imgProps xmlns:a14="http://schemas.microsoft.com/office/drawing/2010/main">
-                  <a14:imgLayer r:embed="rId3">
-                    <a14:imgEffect>
-                      <a14:saturation sat="400000"/>
-                    </a14:imgEffect>
-                  </a14:imgLayer>
-                </a14:imgProps>
-              </a:ext>
-              <a:ext uri="{28A0092B-C50C-407E-A947-70E740481C1C}">
-                <a14:useLocalDpi xmlns:a14="http://schemas.microsoft.com/office/drawing/2010/main" val="0"/>
-              </a:ext>
-            </a:extLst>
-          </a:blip>
-          <a:srcRect/>
-          <a:stretch/>
-        </p:blipFill>
-        <p:spPr>
-          <a:xfrm>
-            <a:off x="4315548" y="6026904"/>
-            <a:ext cx="4200525" cy="475343"/>
-          </a:xfrm>
-          <a:prstGeom prst="rect">
-            <a:avLst/>
-          </a:prstGeom>
-        </p:spPr>
-      </p:pic>
     </p:spTree>
     <p:extLst>
       <p:ext uri="{BB962C8B-B14F-4D97-AF65-F5344CB8AC3E}">
@@ -2638,9 +2449,9 @@
           </a:bodyPr>
           <a:lstStyle>
             <a:lvl1pPr algn="l">
-              <a:defRPr lang="en-US" altLang="en-US" sz="3600" b="0" kern="1200" cap="all" dirty="0">
+              <a:defRPr lang="en-US" altLang="en-US" sz="3600" b="0" kern="1200" cap="none" baseline="0" dirty="0">
                 <a:solidFill>
-                  <a:srgbClr val="5C307D"/>
+                  <a:srgbClr val="660874"/>
                 </a:solidFill>
                 <a:latin typeface="+mj-lt"/>
                 <a:ea typeface="+mj-ea"/>
@@ -2686,9 +2497,9 @@
           <a:lstStyle>
             <a:lvl1pPr marL="0" indent="0" algn="l">
               <a:buNone/>
-              <a:defRPr sz="2000" cap="all">
+              <a:defRPr sz="2000" cap="none" baseline="0">
                 <a:solidFill>
-                  <a:schemeClr val="accent2"/>
+                  <a:srgbClr val="660874"/>
                 </a:solidFill>
               </a:defRPr>
             </a:lvl1pPr>
@@ -2810,7 +2621,7 @@
           <a:p>
             <a:fld id="{E4551058-E5DB-324A-A8E9-6D3BEF243C3B}" type="datetimeFigureOut">
               <a:rPr kumimoji="1" lang="zh-CN" altLang="en-US" smtClean="0"/>
-              <a:t>2020/6/12</a:t>
+              <a:t>2022/6/9</a:t>
             </a:fld>
             <a:endParaRPr kumimoji="1" lang="zh-CN" altLang="en-US"/>
           </a:p>
@@ -2880,65 +2691,6 @@
           </a:p>
         </p:txBody>
       </p:sp>
-      <p:pic>
-        <p:nvPicPr>
-          <p:cNvPr id="13" name="图片 12">
-            <a:extLst>
-              <a:ext uri="{FF2B5EF4-FFF2-40B4-BE49-F238E27FC236}">
-                <a16:creationId xmlns:a16="http://schemas.microsoft.com/office/drawing/2014/main" id="{58550395-E882-3647-B449-C8E87F86C53D}"/>
-              </a:ext>
-            </a:extLst>
-          </p:cNvPr>
-          <p:cNvPicPr/>
-          <p:nvPr userDrawn="1"/>
-        </p:nvPicPr>
-        <p:blipFill rotWithShape="1">
-          <a:blip r:embed="rId2" cstate="print">
-            <a:clrChange>
-              <a:clrFrom>
-                <a:srgbClr val="FEFEFE"/>
-              </a:clrFrom>
-              <a:clrTo>
-                <a:srgbClr val="FEFEFE">
-                  <a:alpha val="0"/>
-                </a:srgbClr>
-              </a:clrTo>
-            </a:clrChange>
-            <a:duotone>
-              <a:schemeClr val="accent1">
-                <a:shade val="45000"/>
-                <a:satMod val="135000"/>
-              </a:schemeClr>
-              <a:prstClr val="white"/>
-            </a:duotone>
-            <a:extLst>
-              <a:ext uri="{BEBA8EAE-BF5A-486C-A8C5-ECC9F3942E4B}">
-                <a14:imgProps xmlns:a14="http://schemas.microsoft.com/office/drawing/2010/main">
-                  <a14:imgLayer r:embed="rId3">
-                    <a14:imgEffect>
-                      <a14:saturation sat="400000"/>
-                    </a14:imgEffect>
-                  </a14:imgLayer>
-                </a14:imgProps>
-              </a:ext>
-              <a:ext uri="{28A0092B-C50C-407E-A947-70E740481C1C}">
-                <a14:useLocalDpi xmlns:a14="http://schemas.microsoft.com/office/drawing/2010/main" val="0"/>
-              </a:ext>
-            </a:extLst>
-          </a:blip>
-          <a:srcRect/>
-          <a:stretch/>
-        </p:blipFill>
-        <p:spPr>
-          <a:xfrm>
-            <a:off x="4315548" y="6026904"/>
-            <a:ext cx="4200525" cy="475343"/>
-          </a:xfrm>
-          <a:prstGeom prst="rect">
-            <a:avLst/>
-          </a:prstGeom>
-        </p:spPr>
-      </p:pic>
     </p:spTree>
     <p:extLst>
       <p:ext uri="{BB962C8B-B14F-4D97-AF65-F5344CB8AC3E}">
@@ -3104,7 +2856,7 @@
           <a:p>
             <a:fld id="{E4551058-E5DB-324A-A8E9-6D3BEF243C3B}" type="datetimeFigureOut">
               <a:rPr kumimoji="1" lang="zh-CN" altLang="en-US" smtClean="0"/>
-              <a:t>2020/6/12</a:t>
+              <a:t>2022/6/9</a:t>
             </a:fld>
             <a:endParaRPr kumimoji="1" lang="zh-CN" altLang="en-US"/>
           </a:p>
@@ -3174,7 +2926,7 @@
           <a:lstStyle/>
           <a:p>
             <a:r>
-              <a:rPr kumimoji="1" lang="zh-CN" altLang="en-US"/>
+              <a:rPr kumimoji="1" lang="zh-CN" altLang="en-US" dirty="0"/>
               <a:t>单击此处编辑母版标题样式</a:t>
             </a:r>
           </a:p>
@@ -3235,7 +2987,7 @@
               <a:buNone/>
               <a:defRPr sz="2200" b="0">
                 <a:solidFill>
-                  <a:schemeClr val="accent2"/>
+                  <a:srgbClr val="660874"/>
                 </a:solidFill>
               </a:defRPr>
             </a:lvl1pPr>
@@ -3275,7 +3027,7 @@
           <a:p>
             <a:pPr lvl="0"/>
             <a:r>
-              <a:rPr lang="zh-CN" altLang="en-US"/>
+              <a:rPr lang="zh-CN" altLang="en-US" dirty="0"/>
               <a:t>单击此处编辑母版文本样式</a:t>
             </a:r>
           </a:p>
@@ -3365,7 +3117,7 @@
               <a:buNone/>
               <a:defRPr sz="2200" b="0">
                 <a:solidFill>
-                  <a:schemeClr val="accent2"/>
+                  <a:srgbClr val="660874"/>
                 </a:solidFill>
               </a:defRPr>
             </a:lvl1pPr>
@@ -3405,7 +3157,7 @@
           <a:p>
             <a:pPr lvl="0"/>
             <a:r>
-              <a:rPr lang="zh-CN" altLang="en-US"/>
+              <a:rPr lang="zh-CN" altLang="en-US" dirty="0"/>
               <a:t>单击此处编辑母版文本样式</a:t>
             </a:r>
           </a:p>
@@ -3487,7 +3239,7 @@
           <a:p>
             <a:fld id="{E4551058-E5DB-324A-A8E9-6D3BEF243C3B}" type="datetimeFigureOut">
               <a:rPr kumimoji="1" lang="zh-CN" altLang="en-US" smtClean="0"/>
-              <a:t>2020/6/12</a:t>
+              <a:t>2022/6/9</a:t>
             </a:fld>
             <a:endParaRPr kumimoji="1" lang="zh-CN" altLang="en-US"/>
           </a:p>
@@ -3557,7 +3309,7 @@
           <a:lstStyle/>
           <a:p>
             <a:r>
-              <a:rPr kumimoji="1" lang="zh-CN" altLang="en-US"/>
+              <a:rPr kumimoji="1" lang="zh-CN" altLang="en-US" dirty="0"/>
               <a:t>单击此处编辑母版标题样式</a:t>
             </a:r>
           </a:p>
@@ -3610,7 +3362,7 @@
           <a:p>
             <a:fld id="{E4551058-E5DB-324A-A8E9-6D3BEF243C3B}" type="datetimeFigureOut">
               <a:rPr kumimoji="1" lang="zh-CN" altLang="en-US" smtClean="0"/>
-              <a:t>2020/6/12</a:t>
+              <a:t>2022/6/9</a:t>
             </a:fld>
             <a:endParaRPr kumimoji="1" lang="zh-CN" altLang="en-US"/>
           </a:p>
@@ -3733,7 +3485,7 @@
           <a:p>
             <a:fld id="{E4551058-E5DB-324A-A8E9-6D3BEF243C3B}" type="datetimeFigureOut">
               <a:rPr kumimoji="1" lang="zh-CN" altLang="en-US" smtClean="0"/>
-              <a:t>2020/6/12</a:t>
+              <a:t>2022/6/9</a:t>
             </a:fld>
             <a:endParaRPr kumimoji="1" lang="zh-CN" altLang="en-US"/>
           </a:p>
@@ -3781,65 +3533,6 @@
           </a:p>
         </p:txBody>
       </p:sp>
-      <p:pic>
-        <p:nvPicPr>
-          <p:cNvPr id="7" name="图片 6">
-            <a:extLst>
-              <a:ext uri="{FF2B5EF4-FFF2-40B4-BE49-F238E27FC236}">
-                <a16:creationId xmlns:a16="http://schemas.microsoft.com/office/drawing/2014/main" id="{3E31F5C9-4209-B34B-B887-07BAC6DBEC1A}"/>
-              </a:ext>
-            </a:extLst>
-          </p:cNvPr>
-          <p:cNvPicPr/>
-          <p:nvPr userDrawn="1"/>
-        </p:nvPicPr>
-        <p:blipFill rotWithShape="1">
-          <a:blip r:embed="rId2" cstate="print">
-            <a:clrChange>
-              <a:clrFrom>
-                <a:srgbClr val="FEFEFE"/>
-              </a:clrFrom>
-              <a:clrTo>
-                <a:srgbClr val="FEFEFE">
-                  <a:alpha val="0"/>
-                </a:srgbClr>
-              </a:clrTo>
-            </a:clrChange>
-            <a:duotone>
-              <a:schemeClr val="accent1">
-                <a:shade val="45000"/>
-                <a:satMod val="135000"/>
-              </a:schemeClr>
-              <a:prstClr val="white"/>
-            </a:duotone>
-            <a:extLst>
-              <a:ext uri="{BEBA8EAE-BF5A-486C-A8C5-ECC9F3942E4B}">
-                <a14:imgProps xmlns:a14="http://schemas.microsoft.com/office/drawing/2010/main">
-                  <a14:imgLayer r:embed="rId3">
-                    <a14:imgEffect>
-                      <a14:saturation sat="400000"/>
-                    </a14:imgEffect>
-                  </a14:imgLayer>
-                </a14:imgProps>
-              </a:ext>
-              <a:ext uri="{28A0092B-C50C-407E-A947-70E740481C1C}">
-                <a14:useLocalDpi xmlns:a14="http://schemas.microsoft.com/office/drawing/2010/main" val="0"/>
-              </a:ext>
-            </a:extLst>
-          </a:blip>
-          <a:srcRect/>
-          <a:stretch/>
-        </p:blipFill>
-        <p:spPr>
-          <a:xfrm>
-            <a:off x="4315548" y="6026904"/>
-            <a:ext cx="4200525" cy="475343"/>
-          </a:xfrm>
-          <a:prstGeom prst="rect">
-            <a:avLst/>
-          </a:prstGeom>
-        </p:spPr>
-      </p:pic>
     </p:spTree>
     <p:extLst>
       <p:ext uri="{BB962C8B-B14F-4D97-AF65-F5344CB8AC3E}">
@@ -3942,7 +3635,7 @@
             <a:lvl1pPr algn="l">
               <a:defRPr sz="2400" b="0">
                 <a:solidFill>
-                  <a:srgbClr val="5C307D"/>
+                  <a:srgbClr val="660874"/>
                 </a:solidFill>
               </a:defRPr>
             </a:lvl1pPr>
@@ -4104,7 +3797,7 @@
               <a:buNone/>
               <a:defRPr sz="1600">
                 <a:solidFill>
-                  <a:srgbClr val="5C307D"/>
+                  <a:srgbClr val="660874"/>
                 </a:solidFill>
               </a:defRPr>
             </a:lvl1pPr>
@@ -4181,7 +3874,7 @@
             <a:fld id="{E4551058-E5DB-324A-A8E9-6D3BEF243C3B}" type="datetimeFigureOut">
               <a:rPr kumimoji="1" lang="zh-CN" altLang="en-US" smtClean="0"/>
               <a:pPr/>
-              <a:t>2020/6/12</a:t>
+              <a:t>2022/6/9</a:t>
             </a:fld>
             <a:endParaRPr kumimoji="1" lang="zh-CN" altLang="en-US" dirty="0"/>
           </a:p>
@@ -4256,65 +3949,6 @@
           </a:p>
         </p:txBody>
       </p:sp>
-      <p:pic>
-        <p:nvPicPr>
-          <p:cNvPr id="14" name="图片 13">
-            <a:extLst>
-              <a:ext uri="{FF2B5EF4-FFF2-40B4-BE49-F238E27FC236}">
-                <a16:creationId xmlns:a16="http://schemas.microsoft.com/office/drawing/2014/main" id="{03299D0E-B190-CC4B-84DB-7C571905AB16}"/>
-              </a:ext>
-            </a:extLst>
-          </p:cNvPr>
-          <p:cNvPicPr/>
-          <p:nvPr userDrawn="1"/>
-        </p:nvPicPr>
-        <p:blipFill rotWithShape="1">
-          <a:blip r:embed="rId2" cstate="print">
-            <a:clrChange>
-              <a:clrFrom>
-                <a:srgbClr val="FEFEFE"/>
-              </a:clrFrom>
-              <a:clrTo>
-                <a:srgbClr val="FEFEFE">
-                  <a:alpha val="0"/>
-                </a:srgbClr>
-              </a:clrTo>
-            </a:clrChange>
-            <a:duotone>
-              <a:schemeClr val="accent1">
-                <a:shade val="45000"/>
-                <a:satMod val="135000"/>
-              </a:schemeClr>
-              <a:prstClr val="white"/>
-            </a:duotone>
-            <a:extLst>
-              <a:ext uri="{BEBA8EAE-BF5A-486C-A8C5-ECC9F3942E4B}">
-                <a14:imgProps xmlns:a14="http://schemas.microsoft.com/office/drawing/2010/main">
-                  <a14:imgLayer r:embed="rId3">
-                    <a14:imgEffect>
-                      <a14:saturation sat="400000"/>
-                    </a14:imgEffect>
-                  </a14:imgLayer>
-                </a14:imgProps>
-              </a:ext>
-              <a:ext uri="{28A0092B-C50C-407E-A947-70E740481C1C}">
-                <a14:useLocalDpi xmlns:a14="http://schemas.microsoft.com/office/drawing/2010/main" val="0"/>
-              </a:ext>
-            </a:extLst>
-          </a:blip>
-          <a:srcRect/>
-          <a:stretch/>
-        </p:blipFill>
-        <p:spPr>
-          <a:xfrm>
-            <a:off x="4315548" y="6026904"/>
-            <a:ext cx="4200525" cy="475343"/>
-          </a:xfrm>
-          <a:prstGeom prst="rect">
-            <a:avLst/>
-          </a:prstGeom>
-        </p:spPr>
-      </p:pic>
     </p:spTree>
     <p:extLst>
       <p:ext uri="{BB962C8B-B14F-4D97-AF65-F5344CB8AC3E}">
@@ -4352,282 +3986,10 @@
       </p:grpSpPr>
       <p:sp>
         <p:nvSpPr>
-          <p:cNvPr id="7" name="标题占位符 6">
+          <p:cNvPr id="8" name="矩形 7">
             <a:extLst>
               <a:ext uri="{FF2B5EF4-FFF2-40B4-BE49-F238E27FC236}">
-                <a16:creationId xmlns:a16="http://schemas.microsoft.com/office/drawing/2014/main" id="{386CB2C2-B0CA-6B4C-9D67-BC3A516A2E6A}"/>
-              </a:ext>
-            </a:extLst>
-          </p:cNvPr>
-          <p:cNvSpPr>
-            <a:spLocks noGrp="1"/>
-          </p:cNvSpPr>
-          <p:nvPr>
-            <p:ph type="title"/>
-          </p:nvPr>
-        </p:nvSpPr>
-        <p:spPr>
-          <a:xfrm>
-            <a:off x="626480" y="593424"/>
-            <a:ext cx="7891041" cy="1015200"/>
-          </a:xfrm>
-          <a:prstGeom prst="rect">
-            <a:avLst/>
-          </a:prstGeom>
-        </p:spPr>
-        <p:txBody>
-          <a:bodyPr vert="horz" lIns="91440" tIns="45720" rIns="91440" bIns="45720" rtlCol="0" anchor="ctr">
-            <a:normAutofit/>
-          </a:bodyPr>
-          <a:lstStyle/>
-          <a:p>
-            <a:r>
-              <a:rPr kumimoji="1" lang="zh-CN" altLang="en-US" dirty="0"/>
-              <a:t>单击此处编辑母版标题样式</a:t>
-            </a:r>
-          </a:p>
-        </p:txBody>
-      </p:sp>
-      <p:sp>
-        <p:nvSpPr>
-          <p:cNvPr id="3" name="Text Placeholder 2"/>
-          <p:cNvSpPr>
-            <a:spLocks noGrp="1"/>
-          </p:cNvSpPr>
-          <p:nvPr>
-            <p:ph type="body" idx="1"/>
-          </p:nvPr>
-        </p:nvSpPr>
-        <p:spPr>
-          <a:xfrm>
-            <a:off x="625032" y="2336003"/>
-            <a:ext cx="7891041" cy="3154894"/>
-          </a:xfrm>
-          <a:prstGeom prst="rect">
-            <a:avLst/>
-          </a:prstGeom>
-        </p:spPr>
-        <p:txBody>
-          <a:bodyPr vert="horz" lIns="91440" tIns="45720" rIns="91440" bIns="45720" rtlCol="0" anchor="t">
-            <a:normAutofit/>
-          </a:bodyPr>
-          <a:lstStyle/>
-          <a:p>
-            <a:pPr lvl="0"/>
-            <a:r>
-              <a:rPr lang="zh-CN" altLang="en-US" dirty="0"/>
-              <a:t>单击此处编辑母版文本样式</a:t>
-            </a:r>
-          </a:p>
-          <a:p>
-            <a:pPr lvl="1"/>
-            <a:r>
-              <a:rPr lang="zh-CN" altLang="en-US" dirty="0"/>
-              <a:t>二级</a:t>
-            </a:r>
-          </a:p>
-          <a:p>
-            <a:pPr lvl="2"/>
-            <a:r>
-              <a:rPr lang="zh-CN" altLang="en-US" dirty="0"/>
-              <a:t>三级</a:t>
-            </a:r>
-          </a:p>
-          <a:p>
-            <a:pPr lvl="3"/>
-            <a:r>
-              <a:rPr lang="zh-CN" altLang="en-US" dirty="0"/>
-              <a:t>四级</a:t>
-            </a:r>
-          </a:p>
-          <a:p>
-            <a:pPr lvl="4"/>
-            <a:r>
-              <a:rPr lang="zh-CN" altLang="en-US" dirty="0"/>
-              <a:t>五级</a:t>
-            </a:r>
-            <a:endParaRPr lang="en-US" dirty="0"/>
-          </a:p>
-        </p:txBody>
-      </p:sp>
-      <p:sp>
-        <p:nvSpPr>
-          <p:cNvPr id="4" name="Date Placeholder 3"/>
-          <p:cNvSpPr>
-            <a:spLocks noGrp="1"/>
-          </p:cNvSpPr>
-          <p:nvPr>
-            <p:ph type="dt" sz="half" idx="2"/>
-          </p:nvPr>
-        </p:nvSpPr>
-        <p:spPr>
-          <a:xfrm>
-            <a:off x="5642659" y="5597324"/>
-            <a:ext cx="1892460" cy="365125"/>
-          </a:xfrm>
-          <a:prstGeom prst="rect">
-            <a:avLst/>
-          </a:prstGeom>
-        </p:spPr>
-        <p:txBody>
-          <a:bodyPr vert="horz" lIns="91440" tIns="45720" rIns="91440" bIns="45720" rtlCol="0" anchor="ctr"/>
-          <a:lstStyle>
-            <a:lvl1pPr algn="r">
-              <a:defRPr sz="900">
-                <a:solidFill>
-                  <a:schemeClr val="accent2"/>
-                </a:solidFill>
-              </a:defRPr>
-            </a:lvl1pPr>
-          </a:lstStyle>
-          <a:p>
-            <a:fld id="{E4551058-E5DB-324A-A8E9-6D3BEF243C3B}" type="datetimeFigureOut">
-              <a:rPr kumimoji="1" lang="zh-CN" altLang="en-US" smtClean="0"/>
-              <a:t>2020/6/12</a:t>
-            </a:fld>
-            <a:endParaRPr kumimoji="1" lang="zh-CN" altLang="en-US"/>
-          </a:p>
-        </p:txBody>
-      </p:sp>
-      <p:sp>
-        <p:nvSpPr>
-          <p:cNvPr id="5" name="Footer Placeholder 4"/>
-          <p:cNvSpPr>
-            <a:spLocks noGrp="1"/>
-          </p:cNvSpPr>
-          <p:nvPr>
-            <p:ph type="ftr" sz="quarter" idx="3"/>
-          </p:nvPr>
-        </p:nvSpPr>
-        <p:spPr>
-          <a:xfrm>
-            <a:off x="625033" y="5592998"/>
-            <a:ext cx="4939125" cy="365125"/>
-          </a:xfrm>
-          <a:prstGeom prst="rect">
-            <a:avLst/>
-          </a:prstGeom>
-        </p:spPr>
-        <p:txBody>
-          <a:bodyPr vert="horz" lIns="91440" tIns="45720" rIns="91440" bIns="45720" rtlCol="0" anchor="ctr"/>
-          <a:lstStyle>
-            <a:lvl1pPr algn="l">
-              <a:defRPr sz="900" cap="all">
-                <a:solidFill>
-                  <a:schemeClr val="accent2"/>
-                </a:solidFill>
-              </a:defRPr>
-            </a:lvl1pPr>
-          </a:lstStyle>
-          <a:p>
-            <a:endParaRPr kumimoji="1" lang="zh-CN" altLang="en-US" dirty="0"/>
-          </a:p>
-        </p:txBody>
-      </p:sp>
-      <p:sp>
-        <p:nvSpPr>
-          <p:cNvPr id="6" name="Slide Number Placeholder 5"/>
-          <p:cNvSpPr>
-            <a:spLocks noGrp="1"/>
-          </p:cNvSpPr>
-          <p:nvPr>
-            <p:ph type="sldNum" sz="quarter" idx="4"/>
-          </p:nvPr>
-        </p:nvSpPr>
-        <p:spPr>
-          <a:xfrm>
-            <a:off x="7613620" y="5597324"/>
-            <a:ext cx="902453" cy="365125"/>
-          </a:xfrm>
-          <a:prstGeom prst="rect">
-            <a:avLst/>
-          </a:prstGeom>
-        </p:spPr>
-        <p:txBody>
-          <a:bodyPr vert="horz" lIns="91440" tIns="45720" rIns="91440" bIns="45720" rtlCol="0" anchor="ctr"/>
-          <a:lstStyle>
-            <a:lvl1pPr algn="r">
-              <a:defRPr sz="900">
-                <a:solidFill>
-                  <a:schemeClr val="accent2"/>
-                </a:solidFill>
-              </a:defRPr>
-            </a:lvl1pPr>
-          </a:lstStyle>
-          <a:p>
-            <a:fld id="{977BA8E6-E826-B147-AA17-E3D76A29629C}" type="slidenum">
-              <a:rPr kumimoji="1" lang="zh-CN" altLang="en-US" smtClean="0"/>
-              <a:t>‹#›</a:t>
-            </a:fld>
-            <a:endParaRPr kumimoji="1" lang="zh-CN" altLang="en-US"/>
-          </a:p>
-        </p:txBody>
-      </p:sp>
-      <p:pic>
-        <p:nvPicPr>
-          <p:cNvPr id="11" name="图片 10">
-            <a:extLst>
-              <a:ext uri="{FF2B5EF4-FFF2-40B4-BE49-F238E27FC236}">
-                <a16:creationId xmlns:a16="http://schemas.microsoft.com/office/drawing/2014/main" id="{5305D68B-2B7C-394A-9C3F-F982EDB21D95}"/>
-              </a:ext>
-            </a:extLst>
-          </p:cNvPr>
-          <p:cNvPicPr/>
-          <p:nvPr userDrawn="1"/>
-        </p:nvPicPr>
-        <p:blipFill rotWithShape="1">
-          <a:blip r:embed="rId14" cstate="print">
-            <a:clrChange>
-              <a:clrFrom>
-                <a:srgbClr val="FEFEFE"/>
-              </a:clrFrom>
-              <a:clrTo>
-                <a:srgbClr val="FEFEFE">
-                  <a:alpha val="0"/>
-                </a:srgbClr>
-              </a:clrTo>
-            </a:clrChange>
-            <a:duotone>
-              <a:schemeClr val="accent1">
-                <a:shade val="45000"/>
-                <a:satMod val="135000"/>
-              </a:schemeClr>
-              <a:prstClr val="white"/>
-            </a:duotone>
-            <a:extLst>
-              <a:ext uri="{BEBA8EAE-BF5A-486C-A8C5-ECC9F3942E4B}">
-                <a14:imgProps xmlns:a14="http://schemas.microsoft.com/office/drawing/2010/main">
-                  <a14:imgLayer r:embed="rId15">
-                    <a14:imgEffect>
-                      <a14:saturation sat="400000"/>
-                    </a14:imgEffect>
-                  </a14:imgLayer>
-                </a14:imgProps>
-              </a:ext>
-              <a:ext uri="{28A0092B-C50C-407E-A947-70E740481C1C}">
-                <a14:useLocalDpi xmlns:a14="http://schemas.microsoft.com/office/drawing/2010/main" val="0"/>
-              </a:ext>
-            </a:extLst>
-          </a:blip>
-          <a:srcRect/>
-          <a:stretch/>
-        </p:blipFill>
-        <p:spPr>
-          <a:xfrm>
-            <a:off x="4315548" y="6026904"/>
-            <a:ext cx="4200525" cy="475343"/>
-          </a:xfrm>
-          <a:prstGeom prst="rect">
-            <a:avLst/>
-          </a:prstGeom>
-        </p:spPr>
-      </p:pic>
-      <p:sp>
-        <p:nvSpPr>
-          <p:cNvPr id="2" name="圆角矩形 1">
-            <a:extLst>
-              <a:ext uri="{FF2B5EF4-FFF2-40B4-BE49-F238E27FC236}">
-                <a16:creationId xmlns:a16="http://schemas.microsoft.com/office/drawing/2014/main" id="{281EDAD2-3671-BF43-AEFB-C5625113F562}"/>
+                <a16:creationId xmlns:a16="http://schemas.microsoft.com/office/drawing/2014/main" id="{CCC4A067-3E57-C140-912F-457C9FA84675}"/>
               </a:ext>
             </a:extLst>
           </p:cNvPr>
@@ -4636,21 +3998,15 @@
         </p:nvSpPr>
         <p:spPr>
           <a:xfrm>
-            <a:off x="440003" y="651024"/>
-            <a:ext cx="60446" cy="900000"/>
-          </a:xfrm>
-          <a:prstGeom prst="roundRect">
-            <a:avLst>
-              <a:gd name="adj" fmla="val 0"/>
-            </a:avLst>
+            <a:off x="439249" y="651024"/>
+            <a:ext cx="61200" cy="900000"/>
+          </a:xfrm>
+          <a:prstGeom prst="rect">
+            <a:avLst/>
           </a:prstGeom>
-          <a:solidFill>
-            <a:srgbClr val="5C307D"/>
-          </a:solidFill>
           <a:ln>
             <a:noFill/>
           </a:ln>
-          <a:effectLst/>
         </p:spPr>
         <p:style>
           <a:lnRef idx="2">
@@ -4673,7 +4029,220 @@
           <a:lstStyle/>
           <a:p>
             <a:pPr algn="ctr"/>
-            <a:endParaRPr kumimoji="1" lang="zh-CN" altLang="en-US" sz="1800"/>
+            <a:endParaRPr kumimoji="1" lang="zh-CN" altLang="en-US"/>
+          </a:p>
+        </p:txBody>
+      </p:sp>
+      <p:sp>
+        <p:nvSpPr>
+          <p:cNvPr id="7" name="标题占位符 6">
+            <a:extLst>
+              <a:ext uri="{FF2B5EF4-FFF2-40B4-BE49-F238E27FC236}">
+                <a16:creationId xmlns:a16="http://schemas.microsoft.com/office/drawing/2014/main" id="{386CB2C2-B0CA-6B4C-9D67-BC3A516A2E6A}"/>
+              </a:ext>
+            </a:extLst>
+          </p:cNvPr>
+          <p:cNvSpPr>
+            <a:spLocks noGrp="1"/>
+          </p:cNvSpPr>
+          <p:nvPr>
+            <p:ph type="title"/>
+          </p:nvPr>
+        </p:nvSpPr>
+        <p:spPr>
+          <a:xfrm>
+            <a:off x="626480" y="593424"/>
+            <a:ext cx="7891041" cy="1015200"/>
+          </a:xfrm>
+          <a:prstGeom prst="rect">
+            <a:avLst/>
+          </a:prstGeom>
+        </p:spPr>
+        <p:txBody>
+          <a:bodyPr vert="horz" lIns="91440" tIns="45720" rIns="91440" bIns="45720" rtlCol="0" anchor="ctr">
+            <a:normAutofit/>
+          </a:bodyPr>
+          <a:lstStyle/>
+          <a:p>
+            <a:r>
+              <a:rPr kumimoji="1" lang="zh-CN" altLang="en-US" dirty="0"/>
+              <a:t>单击此处编辑母版标题样式</a:t>
+            </a:r>
+          </a:p>
+        </p:txBody>
+      </p:sp>
+      <p:sp>
+        <p:nvSpPr>
+          <p:cNvPr id="3" name="Text Placeholder 2"/>
+          <p:cNvSpPr>
+            <a:spLocks noGrp="1"/>
+          </p:cNvSpPr>
+          <p:nvPr>
+            <p:ph type="body" idx="1"/>
+          </p:nvPr>
+        </p:nvSpPr>
+        <p:spPr>
+          <a:xfrm>
+            <a:off x="625032" y="2336003"/>
+            <a:ext cx="7891041" cy="3154894"/>
+          </a:xfrm>
+          <a:prstGeom prst="rect">
+            <a:avLst/>
+          </a:prstGeom>
+        </p:spPr>
+        <p:txBody>
+          <a:bodyPr vert="horz" lIns="91440" tIns="45720" rIns="91440" bIns="45720" rtlCol="0" anchor="t">
+            <a:normAutofit/>
+          </a:bodyPr>
+          <a:lstStyle/>
+          <a:p>
+            <a:pPr lvl="0"/>
+            <a:r>
+              <a:rPr lang="zh-CN" altLang="en-US" dirty="0"/>
+              <a:t>单击此处编辑母版文本样式</a:t>
+            </a:r>
+          </a:p>
+          <a:p>
+            <a:pPr lvl="1"/>
+            <a:r>
+              <a:rPr lang="zh-CN" altLang="en-US" dirty="0"/>
+              <a:t>二级</a:t>
+            </a:r>
+          </a:p>
+          <a:p>
+            <a:pPr lvl="2"/>
+            <a:r>
+              <a:rPr lang="zh-CN" altLang="en-US" dirty="0"/>
+              <a:t>三级</a:t>
+            </a:r>
+          </a:p>
+          <a:p>
+            <a:pPr lvl="3"/>
+            <a:r>
+              <a:rPr lang="zh-CN" altLang="en-US" dirty="0"/>
+              <a:t>四级</a:t>
+            </a:r>
+          </a:p>
+          <a:p>
+            <a:pPr lvl="4"/>
+            <a:r>
+              <a:rPr lang="zh-CN" altLang="en-US" dirty="0"/>
+              <a:t>五级</a:t>
+            </a:r>
+            <a:endParaRPr lang="en-US" dirty="0"/>
+          </a:p>
+        </p:txBody>
+      </p:sp>
+      <p:sp>
+        <p:nvSpPr>
+          <p:cNvPr id="4" name="Date Placeholder 3"/>
+          <p:cNvSpPr>
+            <a:spLocks noGrp="1"/>
+          </p:cNvSpPr>
+          <p:nvPr>
+            <p:ph type="dt" sz="half" idx="2"/>
+          </p:nvPr>
+        </p:nvSpPr>
+        <p:spPr>
+          <a:xfrm>
+            <a:off x="5642659" y="5597324"/>
+            <a:ext cx="1892460" cy="365125"/>
+          </a:xfrm>
+          <a:prstGeom prst="rect">
+            <a:avLst/>
+          </a:prstGeom>
+        </p:spPr>
+        <p:txBody>
+          <a:bodyPr vert="horz" lIns="91440" tIns="45720" rIns="91440" bIns="45720" rtlCol="0" anchor="ctr"/>
+          <a:lstStyle>
+            <a:lvl1pPr algn="r">
+              <a:defRPr sz="900">
+                <a:solidFill>
+                  <a:schemeClr val="accent2"/>
+                </a:solidFill>
+              </a:defRPr>
+            </a:lvl1pPr>
+          </a:lstStyle>
+          <a:p>
+            <a:fld id="{E4551058-E5DB-324A-A8E9-6D3BEF243C3B}" type="datetimeFigureOut">
+              <a:rPr kumimoji="1" lang="zh-CN" altLang="en-US" smtClean="0"/>
+              <a:t>2022/6/9</a:t>
+            </a:fld>
+            <a:endParaRPr kumimoji="1" lang="zh-CN" altLang="en-US"/>
+          </a:p>
+        </p:txBody>
+      </p:sp>
+      <p:sp>
+        <p:nvSpPr>
+          <p:cNvPr id="5" name="Footer Placeholder 4"/>
+          <p:cNvSpPr>
+            <a:spLocks noGrp="1"/>
+          </p:cNvSpPr>
+          <p:nvPr>
+            <p:ph type="ftr" sz="quarter" idx="3"/>
+          </p:nvPr>
+        </p:nvSpPr>
+        <p:spPr>
+          <a:xfrm>
+            <a:off x="625033" y="5592998"/>
+            <a:ext cx="4939125" cy="365125"/>
+          </a:xfrm>
+          <a:prstGeom prst="rect">
+            <a:avLst/>
+          </a:prstGeom>
+        </p:spPr>
+        <p:txBody>
+          <a:bodyPr vert="horz" lIns="91440" tIns="45720" rIns="91440" bIns="45720" rtlCol="0" anchor="ctr"/>
+          <a:lstStyle>
+            <a:lvl1pPr algn="l">
+              <a:defRPr sz="900" cap="all">
+                <a:solidFill>
+                  <a:schemeClr val="accent2"/>
+                </a:solidFill>
+              </a:defRPr>
+            </a:lvl1pPr>
+          </a:lstStyle>
+          <a:p>
+            <a:endParaRPr kumimoji="1" lang="zh-CN" altLang="en-US" dirty="0"/>
+          </a:p>
+        </p:txBody>
+      </p:sp>
+      <p:sp>
+        <p:nvSpPr>
+          <p:cNvPr id="6" name="Slide Number Placeholder 5"/>
+          <p:cNvSpPr>
+            <a:spLocks noGrp="1"/>
+          </p:cNvSpPr>
+          <p:nvPr>
+            <p:ph type="sldNum" sz="quarter" idx="4"/>
+          </p:nvPr>
+        </p:nvSpPr>
+        <p:spPr>
+          <a:xfrm>
+            <a:off x="7613620" y="5597324"/>
+            <a:ext cx="902453" cy="365125"/>
+          </a:xfrm>
+          <a:prstGeom prst="rect">
+            <a:avLst/>
+          </a:prstGeom>
+        </p:spPr>
+        <p:txBody>
+          <a:bodyPr vert="horz" lIns="91440" tIns="45720" rIns="91440" bIns="45720" rtlCol="0" anchor="ctr"/>
+          <a:lstStyle>
+            <a:lvl1pPr algn="r">
+              <a:defRPr sz="900">
+                <a:solidFill>
+                  <a:schemeClr val="accent2"/>
+                </a:solidFill>
+              </a:defRPr>
+            </a:lvl1pPr>
+          </a:lstStyle>
+          <a:p>
+            <a:fld id="{977BA8E6-E826-B147-AA17-E3D76A29629C}" type="slidenum">
+              <a:rPr kumimoji="1" lang="zh-CN" altLang="en-US" smtClean="0"/>
+              <a:t>‹#›</a:t>
+            </a:fld>
+            <a:endParaRPr kumimoji="1" lang="zh-CN" altLang="en-US"/>
           </a:p>
         </p:txBody>
       </p:sp>
@@ -4706,9 +4275,9 @@
           <a:spcPct val="0"/>
         </a:spcBef>
         <a:buNone/>
-        <a:defRPr sz="2800" b="0" kern="1200" cap="all">
+        <a:defRPr sz="2800" b="0" kern="1200" cap="none" baseline="0">
           <a:solidFill>
-            <a:srgbClr val="5C307D"/>
+            <a:srgbClr val="660874"/>
           </a:solidFill>
           <a:latin typeface="+mj-lt"/>
           <a:ea typeface="+mj-ea"/>
@@ -5104,35 +4673,40 @@
             <p:ph type="ctrTitle"/>
           </p:nvPr>
         </p:nvSpPr>
-        <p:spPr/>
+        <p:spPr>
+          <a:xfrm>
+            <a:off x="722377" y="2028084"/>
+            <a:ext cx="7699248" cy="1356406"/>
+          </a:xfrm>
+        </p:spPr>
         <p:txBody>
           <a:bodyPr/>
           <a:lstStyle/>
           <a:p>
             <a:r>
-              <a:rPr kumimoji="1" lang="zh-CN" altLang="en-US" dirty="0"/>
+              <a:rPr lang="zh-CN" altLang="en-US" dirty="0"/>
               <a:t>清华简约主题</a:t>
             </a:r>
             <a:r>
-              <a:rPr kumimoji="1" lang="en-US" altLang="zh-CN" dirty="0"/>
+              <a:rPr lang="en-US" altLang="zh-CN" dirty="0"/>
               <a:t>PPT</a:t>
             </a:r>
             <a:r>
-              <a:rPr kumimoji="1" lang="zh-CN" altLang="en-US" dirty="0"/>
+              <a:rPr lang="zh-CN" altLang="en-US" dirty="0"/>
               <a:t>模板</a:t>
             </a:r>
             <a:br>
-              <a:rPr kumimoji="1" lang="en-US" altLang="zh-CN" dirty="0"/>
+              <a:rPr lang="en-US" altLang="zh-CN" dirty="0"/>
             </a:br>
             <a:r>
-              <a:rPr kumimoji="1" lang="zh-CN" altLang="en-US" dirty="0"/>
+              <a:rPr lang="zh-CN" altLang="en-US" dirty="0"/>
               <a:t>扁平风格 </a:t>
             </a:r>
             <a:r>
-              <a:rPr kumimoji="1" lang="en-US" altLang="zh-CN" dirty="0"/>
+              <a:rPr lang="en-US" altLang="zh-CN" dirty="0"/>
               <a:t>4:3</a:t>
             </a:r>
-            <a:endParaRPr kumimoji="1" lang="zh-CN" altLang="en-US" dirty="0"/>
+            <a:endParaRPr lang="zh-CN" altLang="en-US" dirty="0"/>
           </a:p>
         </p:txBody>
       </p:sp>
@@ -5152,7 +4726,12 @@
             <p:ph type="subTitle" idx="1"/>
           </p:nvPr>
         </p:nvSpPr>
-        <p:spPr/>
+        <p:spPr>
+          <a:xfrm>
+            <a:off x="722377" y="3819055"/>
+            <a:ext cx="7699248" cy="1340999"/>
+          </a:xfrm>
+        </p:spPr>
         <p:txBody>
           <a:bodyPr>
             <a:normAutofit/>
@@ -5160,48 +4739,48 @@
           <a:lstStyle/>
           <a:p>
             <a:r>
-              <a:rPr kumimoji="1" lang="zh-CN" altLang="en-US" dirty="0"/>
+              <a:rPr lang="zh-CN" altLang="en-US" dirty="0"/>
               <a:t>陈伟浩</a:t>
             </a:r>
-            <a:endParaRPr kumimoji="1" lang="en-US" altLang="zh-CN" dirty="0"/>
-          </a:p>
-          <a:p>
-            <a:r>
-              <a:rPr kumimoji="1" lang="zh-CN" altLang="en-US" dirty="0"/>
+            <a:endParaRPr lang="en-US" altLang="zh-CN" dirty="0"/>
+          </a:p>
+          <a:p>
+            <a:r>
+              <a:rPr lang="zh-CN" altLang="en-US" dirty="0"/>
               <a:t>新雅书院</a:t>
             </a:r>
-            <a:endParaRPr kumimoji="1" lang="en-US" altLang="zh-CN" dirty="0"/>
-          </a:p>
-          <a:p>
-            <a:r>
-              <a:rPr kumimoji="1" lang="en-US" altLang="zh-CN" dirty="0"/>
+            <a:endParaRPr lang="en-US" altLang="zh-CN" dirty="0"/>
+          </a:p>
+          <a:p>
+            <a:r>
+              <a:rPr lang="en-US" altLang="zh-CN" dirty="0"/>
               <a:t>2020</a:t>
             </a:r>
             <a:r>
-              <a:rPr kumimoji="1" lang="zh-CN" altLang="en-US" dirty="0"/>
+              <a:rPr lang="zh-CN" altLang="en-US" dirty="0"/>
               <a:t>年</a:t>
             </a:r>
             <a:r>
-              <a:rPr kumimoji="1" lang="en-US" altLang="zh-CN" dirty="0"/>
+              <a:rPr lang="en-US" altLang="zh-CN" dirty="0"/>
               <a:t>6</a:t>
             </a:r>
             <a:r>
-              <a:rPr kumimoji="1" lang="zh-CN" altLang="en-US" dirty="0"/>
+              <a:rPr lang="zh-CN" altLang="en-US" dirty="0"/>
               <a:t>月</a:t>
             </a:r>
             <a:r>
-              <a:rPr kumimoji="1" lang="en-US" altLang="zh-CN"/>
+              <a:rPr lang="en-US" altLang="zh-CN"/>
               <a:t>1</a:t>
             </a:r>
             <a:r>
-              <a:rPr kumimoji="1" lang="en-US" altLang="zh-CN" dirty="0"/>
+              <a:rPr lang="en-US" altLang="zh-CN" dirty="0"/>
               <a:t>2</a:t>
             </a:r>
             <a:r>
-              <a:rPr kumimoji="1" lang="zh-CN" altLang="en-US"/>
+              <a:rPr lang="zh-CN" altLang="en-US"/>
               <a:t>日</a:t>
             </a:r>
-            <a:endParaRPr kumimoji="1" lang="zh-CN" altLang="en-US" dirty="0"/>
+            <a:endParaRPr lang="zh-CN" altLang="en-US" dirty="0"/>
           </a:p>
         </p:txBody>
       </p:sp>
@@ -5251,34 +4830,39 @@
             <p:ph idx="1"/>
           </p:nvPr>
         </p:nvSpPr>
-        <p:spPr/>
+        <p:spPr>
+          <a:xfrm>
+            <a:off x="1073912" y="2118168"/>
+            <a:ext cx="7634195" cy="3602477"/>
+          </a:xfrm>
+        </p:spPr>
         <p:txBody>
           <a:bodyPr/>
           <a:lstStyle/>
           <a:p>
             <a:r>
-              <a:rPr kumimoji="1" lang="zh-CN" altLang="en-US" dirty="0"/>
+              <a:rPr lang="zh-CN" altLang="en-US" dirty="0"/>
               <a:t>这里可以写你的目录内容</a:t>
             </a:r>
-            <a:endParaRPr kumimoji="1" lang="en-US" altLang="zh-CN" dirty="0"/>
-          </a:p>
-          <a:p>
-            <a:r>
-              <a:rPr kumimoji="1" lang="zh-CN" altLang="en-US" dirty="0"/>
+            <a:endParaRPr lang="en-US" altLang="zh-CN" dirty="0"/>
+          </a:p>
+          <a:p>
+            <a:r>
+              <a:rPr lang="zh-CN" altLang="en-US" dirty="0"/>
               <a:t>一</a:t>
             </a:r>
-            <a:endParaRPr kumimoji="1" lang="en-US" altLang="zh-CN" dirty="0"/>
-          </a:p>
-          <a:p>
-            <a:r>
-              <a:rPr kumimoji="1" lang="zh-CN" altLang="en-US" dirty="0"/>
+            <a:endParaRPr lang="en-US" altLang="zh-CN" dirty="0"/>
+          </a:p>
+          <a:p>
+            <a:r>
+              <a:rPr lang="zh-CN" altLang="en-US" dirty="0"/>
               <a:t>二</a:t>
             </a:r>
-            <a:endParaRPr kumimoji="1" lang="en-US" altLang="zh-CN" dirty="0"/>
-          </a:p>
-          <a:p>
-            <a:r>
-              <a:rPr kumimoji="1" lang="zh-CN" altLang="en-US" dirty="0"/>
+            <a:endParaRPr lang="en-US" altLang="zh-CN" dirty="0"/>
+          </a:p>
+          <a:p>
+            <a:r>
+              <a:rPr lang="zh-CN" altLang="en-US" dirty="0"/>
               <a:t>三</a:t>
             </a:r>
           </a:p>
@@ -5300,13 +4884,18 @@
             <p:ph type="title"/>
           </p:nvPr>
         </p:nvSpPr>
-        <p:spPr/>
+        <p:spPr>
+          <a:xfrm>
+            <a:off x="1073912" y="490439"/>
+            <a:ext cx="7634194" cy="1351451"/>
+          </a:xfrm>
+        </p:spPr>
         <p:txBody>
           <a:bodyPr/>
           <a:lstStyle/>
           <a:p>
             <a:r>
-              <a:rPr kumimoji="1" lang="zh-CN" altLang="en-US" dirty="0"/>
+              <a:rPr lang="zh-CN" altLang="en-US" dirty="0"/>
               <a:t>目录</a:t>
             </a:r>
           </a:p>
@@ -5358,49 +4947,99 @@
             <p:ph idx="1"/>
           </p:nvPr>
         </p:nvSpPr>
-        <p:spPr/>
+        <p:spPr>
+          <a:xfrm>
+            <a:off x="625033" y="2180499"/>
+            <a:ext cx="7891040" cy="3678303"/>
+          </a:xfrm>
+        </p:spPr>
         <p:txBody>
           <a:bodyPr/>
           <a:lstStyle/>
           <a:p>
             <a:r>
-              <a:rPr kumimoji="1" lang="zh-CN" altLang="en-US" dirty="0"/>
+              <a:rPr lang="zh-CN" altLang="en-US" dirty="0"/>
               <a:t>在</a:t>
             </a:r>
             <a:r>
-              <a:rPr kumimoji="1" lang="en-US" altLang="zh-CN" dirty="0"/>
+              <a:rPr lang="en-US" altLang="zh-CN" dirty="0"/>
               <a:t>PowerPoint</a:t>
             </a:r>
             <a:r>
-              <a:rPr kumimoji="1" lang="zh-CN" altLang="en-US" dirty="0"/>
+              <a:rPr lang="zh-CN" altLang="en-US" dirty="0"/>
               <a:t>的新建幻灯片的选项卡里，可以自己选择合适的页面</a:t>
             </a:r>
-            <a:endParaRPr kumimoji="1" lang="en-US" altLang="zh-CN" dirty="0"/>
-          </a:p>
-          <a:p>
-            <a:r>
-              <a:rPr kumimoji="1" lang="zh-CN" altLang="en-US" dirty="0"/>
+            <a:endParaRPr lang="en-US" altLang="zh-CN" dirty="0"/>
+          </a:p>
+          <a:p>
+            <a:r>
+              <a:rPr lang="zh-CN" altLang="en-US" dirty="0"/>
               <a:t>本清华主题模板实际上编辑了幻灯片母版，使图案和配色固定下来，使用时可类似于使用</a:t>
             </a:r>
             <a:r>
-              <a:rPr kumimoji="1" lang="en-US" altLang="zh-CN" dirty="0"/>
+              <a:rPr lang="en-US" altLang="zh-CN" dirty="0"/>
               <a:t>office</a:t>
             </a:r>
             <a:r>
-              <a:rPr kumimoji="1" lang="zh-CN" altLang="en-US" dirty="0"/>
+              <a:rPr lang="zh-CN" altLang="en-US" dirty="0"/>
               <a:t>自带模板一样不必为模板细节操心</a:t>
             </a:r>
-            <a:endParaRPr kumimoji="1" lang="en-US" altLang="zh-CN" dirty="0"/>
-          </a:p>
-          <a:p>
-            <a:r>
-              <a:rPr kumimoji="1" lang="zh-CN" altLang="en-US" dirty="0"/>
+            <a:endParaRPr lang="en-US" altLang="zh-CN" dirty="0"/>
+          </a:p>
+          <a:p>
+            <a:r>
+              <a:rPr lang="zh-CN" altLang="en-US" dirty="0"/>
               <a:t>如果需要定制，可自行编辑幻灯片母版</a:t>
             </a:r>
-            <a:endParaRPr kumimoji="1" lang="en-US" altLang="zh-CN" dirty="0"/>
-          </a:p>
-          <a:p>
-            <a:endParaRPr kumimoji="1" lang="zh-CN" altLang="en-US" dirty="0"/>
+            <a:endParaRPr lang="en-US" altLang="zh-CN" dirty="0"/>
+          </a:p>
+          <a:p>
+            <a:r>
+              <a:rPr lang="zh-CN" altLang="en-US" dirty="0"/>
+              <a:t>这个</a:t>
+            </a:r>
+            <a:r>
+              <a:rPr lang="en-US" altLang="zh-CN" dirty="0"/>
+              <a:t>PPT</a:t>
+            </a:r>
+            <a:r>
+              <a:rPr lang="zh-CN" altLang="en-US" dirty="0"/>
+              <a:t>模板来自：</a:t>
+            </a:r>
+            <a:r>
+              <a:rPr lang="en-US" altLang="zh-CN" dirty="0">
+                <a:hlinkClick r:id="rId2"/>
+              </a:rPr>
+              <a:t>https://github.com/atomiechen/THU-PPT-Theme</a:t>
+            </a:r>
+            <a:endParaRPr lang="en-US" altLang="zh-CN" dirty="0"/>
+          </a:p>
+          <a:p>
+            <a:pPr lvl="1"/>
+            <a:r>
+              <a:rPr lang="zh-CN" altLang="en-US" dirty="0"/>
+              <a:t>如果大家喜欢，欢迎给我</a:t>
+            </a:r>
+            <a:r>
+              <a:rPr lang="en-US" altLang="zh-CN" dirty="0"/>
+              <a:t>star</a:t>
+            </a:r>
+            <a:r>
+              <a:rPr lang="zh-CN" altLang="en-US" dirty="0"/>
+              <a:t>，也欢迎</a:t>
+            </a:r>
+            <a:r>
+              <a:rPr lang="en-US" altLang="zh-CN" dirty="0"/>
+              <a:t>PR</a:t>
+            </a:r>
+            <a:r>
+              <a:rPr lang="zh-CN" altLang="en-US" dirty="0"/>
+              <a:t>贡献更多变体！</a:t>
+            </a:r>
+            <a:endParaRPr lang="en-US" altLang="zh-CN" dirty="0"/>
+          </a:p>
+          <a:p>
+            <a:endParaRPr lang="zh-CN" altLang="en-US" dirty="0"/>
           </a:p>
         </p:txBody>
       </p:sp>
@@ -5420,13 +5059,18 @@
             <p:ph type="title"/>
           </p:nvPr>
         </p:nvSpPr>
-        <p:spPr/>
+        <p:spPr>
+          <a:xfrm>
+            <a:off x="626480" y="593424"/>
+            <a:ext cx="7891041" cy="1015200"/>
+          </a:xfrm>
+        </p:spPr>
         <p:txBody>
           <a:bodyPr/>
           <a:lstStyle/>
           <a:p>
             <a:r>
-              <a:rPr kumimoji="1" lang="zh-CN" altLang="en-US" dirty="0"/>
+              <a:rPr lang="zh-CN" altLang="en-US" dirty="0"/>
               <a:t>使用方法</a:t>
             </a:r>
           </a:p>
@@ -5478,16 +5122,21 @@
             <p:ph type="body" idx="1"/>
           </p:nvPr>
         </p:nvSpPr>
-        <p:spPr/>
+        <p:spPr>
+          <a:xfrm>
+            <a:off x="665416" y="2250895"/>
+            <a:ext cx="3815306" cy="536005"/>
+          </a:xfrm>
+        </p:spPr>
         <p:txBody>
           <a:bodyPr/>
           <a:lstStyle/>
           <a:p>
             <a:r>
-              <a:rPr kumimoji="1" lang="en-US" altLang="zh-CN" dirty="0"/>
+              <a:rPr lang="en-US" altLang="zh-CN" dirty="0"/>
               <a:t>Foo</a:t>
             </a:r>
-            <a:endParaRPr kumimoji="1" lang="zh-CN" altLang="en-US" dirty="0"/>
+            <a:endParaRPr lang="zh-CN" altLang="en-US" dirty="0"/>
           </a:p>
         </p:txBody>
       </p:sp>
@@ -5507,39 +5156,57 @@
             <p:ph sz="half" idx="2"/>
           </p:nvPr>
         </p:nvSpPr>
-        <p:spPr/>
+        <p:spPr>
+          <a:xfrm>
+            <a:off x="435896" y="2926055"/>
+            <a:ext cx="4044825" cy="2934999"/>
+          </a:xfrm>
+        </p:spPr>
         <p:txBody>
           <a:bodyPr/>
           <a:lstStyle/>
           <a:p>
             <a:r>
-              <a:rPr kumimoji="1" lang="zh-CN" altLang="en-US" dirty="0"/>
+              <a:rPr lang="zh-CN" altLang="en-US" dirty="0"/>
               <a:t>新雅书院终于迎来了第一批在籍毕业生</a:t>
             </a:r>
-            <a:endParaRPr kumimoji="1" lang="en-US" altLang="zh-CN" dirty="0"/>
-          </a:p>
-          <a:p>
-            <a:r>
-              <a:rPr kumimoji="1" lang="zh-CN" altLang="en-US" dirty="0"/>
+            <a:endParaRPr lang="en-US" altLang="zh-CN" dirty="0"/>
+          </a:p>
+          <a:p>
+            <a:r>
+              <a:rPr lang="zh-CN" altLang="en-US" dirty="0"/>
               <a:t>扫地机科学与技术</a:t>
             </a:r>
-            <a:endParaRPr kumimoji="1" lang="en-US" altLang="zh-CN" dirty="0"/>
-          </a:p>
-          <a:p>
-            <a:r>
-              <a:rPr kumimoji="1" lang="zh-CN" altLang="en-US" dirty="0"/>
+            <a:endParaRPr lang="en-US" altLang="zh-CN" dirty="0"/>
+          </a:p>
+          <a:p>
+            <a:r>
+              <a:rPr lang="zh-CN" altLang="en-US" dirty="0"/>
               <a:t>一行不够，两行充数</a:t>
             </a:r>
-            <a:endParaRPr kumimoji="1" lang="en-US" altLang="zh-CN" dirty="0"/>
-          </a:p>
-          <a:p>
-            <a:r>
-              <a:rPr kumimoji="1" lang="zh-CN" altLang="en-US" dirty="0"/>
+            <a:endParaRPr lang="en-US" altLang="zh-CN" dirty="0"/>
+          </a:p>
+          <a:p>
+            <a:r>
+              <a:rPr lang="zh-CN" altLang="en-US" dirty="0"/>
               <a:t>更多页面款式供你选！</a:t>
             </a:r>
-          </a:p>
-          <a:p>
-            <a:endParaRPr kumimoji="1" lang="zh-CN" altLang="en-US" dirty="0"/>
+            <a:endParaRPr lang="en-US" altLang="zh-CN" dirty="0"/>
+          </a:p>
+          <a:p>
+            <a:r>
+              <a:rPr lang="en-US" altLang="zh-CN" dirty="0">
+                <a:hlinkClick r:id="rId2"/>
+              </a:rPr>
+              <a:t>https://github.com/atomiechen/THU-PPT-Theme</a:t>
+            </a:r>
+            <a:endParaRPr lang="en-US" altLang="zh-CN" dirty="0"/>
+          </a:p>
+          <a:p>
+            <a:endParaRPr lang="zh-CN" altLang="en-US" dirty="0"/>
+          </a:p>
+          <a:p>
+            <a:endParaRPr lang="zh-CN" altLang="en-US" dirty="0"/>
           </a:p>
         </p:txBody>
       </p:sp>
@@ -5559,16 +5226,21 @@
             <p:ph type="body" sz="quarter" idx="3"/>
           </p:nvPr>
         </p:nvSpPr>
-        <p:spPr/>
+        <p:spPr>
+          <a:xfrm>
+            <a:off x="4892803" y="2250895"/>
+            <a:ext cx="3815305" cy="553373"/>
+          </a:xfrm>
+        </p:spPr>
         <p:txBody>
           <a:bodyPr/>
           <a:lstStyle/>
           <a:p>
             <a:r>
-              <a:rPr kumimoji="1" lang="en-US" altLang="zh-CN" dirty="0"/>
+              <a:rPr lang="en-US" altLang="zh-CN" dirty="0"/>
               <a:t>Bar</a:t>
             </a:r>
-            <a:endParaRPr kumimoji="1" lang="zh-CN" altLang="en-US" dirty="0"/>
+            <a:endParaRPr lang="zh-CN" altLang="en-US" dirty="0"/>
           </a:p>
         </p:txBody>
       </p:sp>
@@ -5588,74 +5260,101 @@
             <p:ph sz="quarter" idx="4"/>
           </p:nvPr>
         </p:nvSpPr>
-        <p:spPr/>
+        <p:spPr>
+          <a:xfrm>
+            <a:off x="4663283" y="2926055"/>
+            <a:ext cx="4044825" cy="2934999"/>
+          </a:xfrm>
+        </p:spPr>
         <p:txBody>
           <a:bodyPr/>
           <a:lstStyle/>
           <a:p>
             <a:r>
-              <a:rPr kumimoji="1" lang="en" altLang="zh-CN" dirty="0"/>
+              <a:rPr lang="en" altLang="zh-CN" dirty="0"/>
               <a:t>Made by</a:t>
             </a:r>
             <a:r>
-              <a:rPr kumimoji="1" lang="zh-CN" altLang="en-US" dirty="0"/>
+              <a:rPr lang="zh-CN" altLang="en-US" dirty="0"/>
               <a:t> </a:t>
             </a:r>
             <a:r>
-              <a:rPr kumimoji="1" lang="en" altLang="zh-CN" dirty="0"/>
+              <a:rPr lang="en" altLang="zh-CN" dirty="0"/>
               <a:t>Weihao CHEN from Xinya College</a:t>
             </a:r>
           </a:p>
           <a:p>
             <a:r>
-              <a:rPr kumimoji="1" lang="en-US" altLang="zh-CN" dirty="0"/>
+              <a:rPr lang="en-US" altLang="zh-CN" dirty="0"/>
               <a:t>Sweeper</a:t>
             </a:r>
             <a:r>
-              <a:rPr kumimoji="1" lang="zh-CN" altLang="en-US" dirty="0"/>
+              <a:rPr lang="zh-CN" altLang="en-US" dirty="0"/>
               <a:t> </a:t>
             </a:r>
             <a:r>
-              <a:rPr kumimoji="1" lang="en-US" altLang="zh-CN" dirty="0"/>
+              <a:rPr lang="en-US" altLang="zh-CN" dirty="0"/>
               <a:t>Science</a:t>
             </a:r>
             <a:r>
-              <a:rPr kumimoji="1" lang="zh-CN" altLang="en-US" dirty="0"/>
+              <a:rPr lang="zh-CN" altLang="en-US" dirty="0"/>
               <a:t> </a:t>
             </a:r>
             <a:r>
-              <a:rPr kumimoji="1" lang="en-US" altLang="zh-CN" dirty="0"/>
+              <a:rPr lang="en-US" altLang="zh-CN" dirty="0"/>
               <a:t>and</a:t>
             </a:r>
             <a:r>
-              <a:rPr kumimoji="1" lang="zh-CN" altLang="en-US" dirty="0"/>
+              <a:rPr lang="zh-CN" altLang="en-US" dirty="0"/>
               <a:t> </a:t>
             </a:r>
             <a:r>
-              <a:rPr kumimoji="1" lang="en-US" altLang="zh-CN" dirty="0"/>
+              <a:rPr lang="en-US" altLang="zh-CN" dirty="0"/>
               <a:t>Technology</a:t>
             </a:r>
           </a:p>
           <a:p>
             <a:r>
-              <a:rPr kumimoji="1" lang="zh-CN" altLang="en-US" dirty="0"/>
+              <a:rPr lang="zh-CN" altLang="en-US" dirty="0"/>
               <a:t>陈伟浩做了一个清净的主题模板</a:t>
             </a:r>
-            <a:endParaRPr kumimoji="1" lang="en-US" altLang="zh-CN" dirty="0"/>
-          </a:p>
-          <a:p>
-            <a:r>
-              <a:rPr kumimoji="1" lang="zh-CN" altLang="en" dirty="0"/>
+            <a:endParaRPr lang="en-US" altLang="zh-CN" dirty="0"/>
+          </a:p>
+          <a:p>
+            <a:r>
+              <a:rPr lang="zh-CN" altLang="en" dirty="0"/>
               <a:t>欢迎大家</a:t>
             </a:r>
             <a:r>
-              <a:rPr kumimoji="1" lang="zh-CN" altLang="en-US" dirty="0"/>
+              <a:rPr lang="zh-CN" altLang="en-US" dirty="0"/>
               <a:t>广而传播使用！</a:t>
             </a:r>
-            <a:endParaRPr kumimoji="1" lang="en" altLang="zh-CN" dirty="0"/>
-          </a:p>
-          <a:p>
-            <a:endParaRPr kumimoji="1" lang="zh-CN" altLang="en-US" dirty="0"/>
+            <a:endParaRPr lang="en-US" altLang="zh-CN" dirty="0"/>
+          </a:p>
+          <a:p>
+            <a:r>
+              <a:rPr lang="zh-CN" altLang="en" dirty="0"/>
+              <a:t>链接</a:t>
+            </a:r>
+            <a:r>
+              <a:rPr lang="zh-CN" altLang="en-US" dirty="0"/>
+              <a:t>点开之后颜色会有变化（欢迎</a:t>
+            </a:r>
+            <a:r>
+              <a:rPr lang="en-US" altLang="zh-CN" dirty="0"/>
+              <a:t>star</a:t>
+            </a:r>
+            <a:r>
+              <a:rPr lang="zh-CN" altLang="en-US" dirty="0"/>
+              <a:t>）</a:t>
+            </a:r>
+            <a:endParaRPr lang="en-US" altLang="zh-CN" dirty="0"/>
+          </a:p>
+          <a:p>
+            <a:endParaRPr lang="en" altLang="zh-CN" dirty="0"/>
+          </a:p>
+          <a:p>
+            <a:endParaRPr lang="zh-CN" altLang="en-US" dirty="0"/>
           </a:p>
         </p:txBody>
       </p:sp>
@@ -5675,13 +5374,18 @@
             <p:ph type="title"/>
           </p:nvPr>
         </p:nvSpPr>
-        <p:spPr/>
+        <p:spPr>
+          <a:xfrm>
+            <a:off x="627063" y="593725"/>
+            <a:ext cx="7889875" cy="1014413"/>
+          </a:xfrm>
+        </p:spPr>
         <p:txBody>
           <a:bodyPr/>
           <a:lstStyle/>
           <a:p>
             <a:r>
-              <a:rPr kumimoji="1" lang="zh-CN" altLang="en-US" dirty="0"/>
+              <a:rPr lang="zh-CN" altLang="en-US" dirty="0"/>
               <a:t>艾敝舍</a:t>
             </a:r>
           </a:p>
@@ -5733,13 +5437,18 @@
             <p:ph type="title"/>
           </p:nvPr>
         </p:nvSpPr>
-        <p:spPr/>
+        <p:spPr>
+          <a:xfrm>
+            <a:off x="435895" y="4395677"/>
+            <a:ext cx="8272212" cy="566738"/>
+          </a:xfrm>
+        </p:spPr>
         <p:txBody>
           <a:bodyPr/>
           <a:lstStyle/>
           <a:p>
             <a:r>
-              <a:rPr kumimoji="1" lang="zh-CN" altLang="en-US" dirty="0"/>
+              <a:rPr lang="zh-CN" altLang="en-US" dirty="0"/>
               <a:t>可以使用的页面如上</a:t>
             </a:r>
           </a:p>
@@ -5761,13 +5470,18 @@
             <p:ph type="body" sz="half" idx="2"/>
           </p:nvPr>
         </p:nvSpPr>
-        <p:spPr/>
+        <p:spPr>
+          <a:xfrm>
+            <a:off x="435895" y="4962418"/>
+            <a:ext cx="8272213" cy="598671"/>
+          </a:xfrm>
+        </p:spPr>
         <p:txBody>
           <a:bodyPr/>
           <a:lstStyle/>
           <a:p>
             <a:r>
-              <a:rPr kumimoji="1" lang="zh-CN" altLang="en-US" dirty="0"/>
+              <a:rPr lang="zh-CN" altLang="en-US" dirty="0"/>
               <a:t>本页空白比较大，可以放图等内容</a:t>
             </a:r>
           </a:p>
@@ -5775,10 +5489,10 @@
       </p:sp>
       <p:pic>
         <p:nvPicPr>
-          <p:cNvPr id="3" name="图片 2">
+          <p:cNvPr id="8" name="图片 7">
             <a:extLst>
               <a:ext uri="{FF2B5EF4-FFF2-40B4-BE49-F238E27FC236}">
-                <a16:creationId xmlns:a16="http://schemas.microsoft.com/office/drawing/2014/main" id="{3BD87E81-C562-E945-93F3-9A1F0AE52209}"/>
+                <a16:creationId xmlns:a16="http://schemas.microsoft.com/office/drawing/2014/main" id="{12DDA9B2-5DD5-D24F-986E-9CCBA9C3D089}"/>
               </a:ext>
             </a:extLst>
           </p:cNvPr>
@@ -5795,8 +5509,8 @@
         </p:blipFill>
         <p:spPr>
           <a:xfrm>
-            <a:off x="1466850" y="690673"/>
-            <a:ext cx="6210300" cy="3543300"/>
+            <a:off x="1498600" y="903288"/>
+            <a:ext cx="6146800" cy="3492500"/>
           </a:xfrm>
           <a:prstGeom prst="rect">
             <a:avLst/>
@@ -5849,13 +5563,18 @@
             <p:ph type="ctrTitle"/>
           </p:nvPr>
         </p:nvSpPr>
-        <p:spPr/>
+        <p:spPr>
+          <a:xfrm>
+            <a:off x="722377" y="2028084"/>
+            <a:ext cx="7699248" cy="1376851"/>
+          </a:xfrm>
+        </p:spPr>
         <p:txBody>
           <a:bodyPr/>
           <a:lstStyle/>
           <a:p>
             <a:r>
-              <a:rPr kumimoji="1" lang="zh-CN" altLang="en-US" dirty="0"/>
+              <a:rPr lang="zh-CN" altLang="en-US" dirty="0"/>
               <a:t>下一个章节</a:t>
             </a:r>
           </a:p>
@@ -5877,20 +5596,25 @@
             <p:ph type="subTitle" idx="1"/>
           </p:nvPr>
         </p:nvSpPr>
-        <p:spPr/>
+        <p:spPr>
+          <a:xfrm>
+            <a:off x="722377" y="3830630"/>
+            <a:ext cx="7699248" cy="1340999"/>
+          </a:xfrm>
+        </p:spPr>
         <p:txBody>
           <a:bodyPr/>
           <a:lstStyle/>
           <a:p>
             <a:r>
-              <a:rPr kumimoji="1" lang="zh-CN" altLang="en-US" dirty="0"/>
+              <a:rPr lang="zh-CN" altLang="en-US" dirty="0"/>
               <a:t>我们需要进入一些</a:t>
             </a:r>
             <a:r>
-              <a:rPr kumimoji="1" lang="en-US" altLang="zh-CN" dirty="0"/>
+              <a:rPr lang="en-US" altLang="zh-CN" dirty="0"/>
               <a:t>details</a:t>
             </a:r>
-            <a:endParaRPr kumimoji="1" lang="zh-CN" altLang="en-US" dirty="0"/>
+            <a:endParaRPr lang="zh-CN" altLang="en-US" dirty="0"/>
           </a:p>
         </p:txBody>
       </p:sp>
@@ -5940,13 +5664,18 @@
             <p:ph type="title"/>
           </p:nvPr>
         </p:nvSpPr>
-        <p:spPr/>
+        <p:spPr>
+          <a:xfrm>
+            <a:off x="766098" y="4928762"/>
+            <a:ext cx="7749976" cy="653148"/>
+          </a:xfrm>
+        </p:spPr>
         <p:txBody>
           <a:bodyPr/>
           <a:lstStyle/>
           <a:p>
             <a:r>
-              <a:rPr kumimoji="1" lang="zh-CN" altLang="en-US" dirty="0"/>
+              <a:rPr lang="zh-CN" altLang="en-US" dirty="0"/>
               <a:t>标题在下方</a:t>
             </a:r>
           </a:p>
@@ -5954,10 +5683,10 @@
       </p:sp>
       <p:sp>
         <p:nvSpPr>
-          <p:cNvPr id="3" name="内容占位符 2">
+          <p:cNvPr id="7" name="内容占位符 6">
             <a:extLst>
               <a:ext uri="{FF2B5EF4-FFF2-40B4-BE49-F238E27FC236}">
-                <a16:creationId xmlns:a16="http://schemas.microsoft.com/office/drawing/2014/main" id="{1B1C8FA0-CD7D-D748-97A6-257757645F77}"/>
+                <a16:creationId xmlns:a16="http://schemas.microsoft.com/office/drawing/2014/main" id="{A7A99426-128D-3941-847C-44314C339102}"/>
               </a:ext>
             </a:extLst>
           </p:cNvPr>
@@ -5973,7 +5702,7 @@
           <a:bodyPr/>
           <a:lstStyle/>
           <a:p>
-            <a:endParaRPr kumimoji="1" lang="zh-CN" altLang="en-US"/>
+            <a:endParaRPr lang="zh-CN" altLang="en-US"/>
           </a:p>
         </p:txBody>
       </p:sp>
@@ -5993,13 +5722,18 @@
             <p:ph type="body" sz="half" idx="2"/>
           </p:nvPr>
         </p:nvSpPr>
-        <p:spPr/>
+        <p:spPr>
+          <a:xfrm>
+            <a:off x="766098" y="5581910"/>
+            <a:ext cx="7749976" cy="365126"/>
+          </a:xfrm>
+        </p:spPr>
         <p:txBody>
           <a:bodyPr/>
           <a:lstStyle/>
           <a:p>
             <a:r>
-              <a:rPr kumimoji="1" lang="zh-CN" altLang="en-US" dirty="0"/>
+              <a:rPr lang="zh-CN" altLang="en-US" dirty="0"/>
               <a:t>这是一个不同的设计</a:t>
             </a:r>
           </a:p>
@@ -6051,13 +5785,18 @@
             <p:ph type="title" orient="vert"/>
           </p:nvPr>
         </p:nvSpPr>
-        <p:spPr/>
+        <p:spPr>
+          <a:xfrm>
+            <a:off x="6877237" y="675727"/>
+            <a:ext cx="1424622" cy="5183073"/>
+          </a:xfrm>
+        </p:spPr>
         <p:txBody>
           <a:bodyPr/>
           <a:lstStyle/>
           <a:p>
             <a:r>
-              <a:rPr kumimoji="1" lang="zh-CN" altLang="en-US" dirty="0"/>
+              <a:rPr lang="zh-CN" altLang="en-US" dirty="0"/>
               <a:t>竖排文本</a:t>
             </a:r>
           </a:p>
@@ -6079,20 +5818,25 @@
             <p:ph type="body" orient="vert" idx="1"/>
           </p:nvPr>
         </p:nvSpPr>
-        <p:spPr/>
+        <p:spPr>
+          <a:xfrm>
+            <a:off x="581193" y="675727"/>
+            <a:ext cx="5843708" cy="5183073"/>
+          </a:xfrm>
+        </p:spPr>
         <p:txBody>
           <a:bodyPr/>
           <a:lstStyle/>
           <a:p>
             <a:r>
-              <a:rPr kumimoji="1" lang="zh-CN" altLang="en-US" dirty="0"/>
+              <a:rPr lang="zh-CN" altLang="en-US" dirty="0"/>
               <a:t>这里还可以写一些竖排文本，效果大概是这样的</a:t>
             </a:r>
-            <a:endParaRPr kumimoji="1" lang="en-US" altLang="zh-CN" dirty="0"/>
-          </a:p>
-          <a:p>
-            <a:r>
-              <a:rPr kumimoji="1" lang="zh-CN" altLang="en-US" dirty="0"/>
+            <a:endParaRPr lang="en-US" altLang="zh-CN" dirty="0"/>
+          </a:p>
+          <a:p>
+            <a:r>
+              <a:rPr lang="zh-CN" altLang="en-US" dirty="0"/>
               <a:t>扫地机科学与技术</a:t>
             </a:r>
           </a:p>
@@ -6144,13 +5888,18 @@
             <p:ph type="ctrTitle"/>
           </p:nvPr>
         </p:nvSpPr>
-        <p:spPr/>
+        <p:spPr>
+          <a:xfrm>
+            <a:off x="722377" y="2028084"/>
+            <a:ext cx="7699248" cy="1356406"/>
+          </a:xfrm>
+        </p:spPr>
         <p:txBody>
           <a:bodyPr/>
           <a:lstStyle/>
           <a:p>
             <a:r>
-              <a:rPr kumimoji="1" lang="zh-CN" altLang="en-US" dirty="0"/>
+              <a:rPr lang="zh-CN" altLang="en-US" dirty="0"/>
               <a:t>感谢使用和支持！</a:t>
             </a:r>
           </a:p>
@@ -6172,7 +5921,12 @@
             <p:ph type="subTitle" idx="1"/>
           </p:nvPr>
         </p:nvSpPr>
-        <p:spPr/>
+        <p:spPr>
+          <a:xfrm>
+            <a:off x="722377" y="3819055"/>
+            <a:ext cx="7699248" cy="1340999"/>
+          </a:xfrm>
+        </p:spPr>
         <p:txBody>
           <a:bodyPr>
             <a:normAutofit/>
@@ -6180,34 +5934,34 @@
           <a:lstStyle/>
           <a:p>
             <a:r>
-              <a:rPr kumimoji="1" lang="en-US" altLang="zh-CN" dirty="0" err="1"/>
+              <a:rPr lang="en-US" altLang="zh-CN" dirty="0" err="1"/>
               <a:t>Atomie</a:t>
             </a:r>
-            <a:endParaRPr kumimoji="1" lang="en-US" altLang="zh-CN" dirty="0"/>
-          </a:p>
-          <a:p>
-            <a:r>
-              <a:rPr kumimoji="1" lang="en-US" altLang="zh-CN" dirty="0"/>
+            <a:endParaRPr lang="en-US" altLang="zh-CN" dirty="0"/>
+          </a:p>
+          <a:p>
+            <a:r>
+              <a:rPr lang="en-US" altLang="zh-CN" dirty="0"/>
               <a:t>9999</a:t>
             </a:r>
             <a:r>
-              <a:rPr kumimoji="1" lang="zh-CN" altLang="en-US" dirty="0"/>
+              <a:rPr lang="zh-CN" altLang="en-US" dirty="0"/>
               <a:t>年</a:t>
             </a:r>
             <a:r>
-              <a:rPr kumimoji="1" lang="en-US" altLang="zh-CN" dirty="0"/>
+              <a:rPr lang="en-US" altLang="zh-CN" dirty="0"/>
               <a:t>13</a:t>
             </a:r>
             <a:r>
-              <a:rPr kumimoji="1" lang="zh-CN" altLang="en-US" dirty="0"/>
+              <a:rPr lang="zh-CN" altLang="en-US" dirty="0"/>
               <a:t>月</a:t>
             </a:r>
             <a:r>
-              <a:rPr kumimoji="1" lang="en-US" altLang="zh-CN" dirty="0"/>
+              <a:rPr lang="en-US" altLang="zh-CN" dirty="0"/>
               <a:t>32</a:t>
             </a:r>
             <a:r>
-              <a:rPr kumimoji="1" lang="zh-CN" altLang="en-US" dirty="0"/>
+              <a:rPr lang="zh-CN" altLang="en-US" dirty="0"/>
               <a:t>日</a:t>
             </a:r>
           </a:p>
@@ -6229,7 +5983,7 @@
 <file path=ppt/theme/theme1.xml><?xml version="1.0" encoding="utf-8"?>
 <a:theme xmlns:a="http://schemas.openxmlformats.org/drawingml/2006/main" name="清华简约主题-扁平-4:3">
   <a:themeElements>
-    <a:clrScheme name="自定义 6">
+    <a:clrScheme name="清华紫主题">
       <a:dk1>
         <a:srgbClr val="000000"/>
       </a:dk1>
@@ -6243,10 +5997,10 @@
         <a:srgbClr val="EBEBEB"/>
       </a:lt2>
       <a:accent1>
-        <a:srgbClr val="5B2F7C"/>
+        <a:srgbClr val="660874"/>
       </a:accent1>
       <a:accent2>
-        <a:srgbClr val="5C2F7D"/>
+        <a:srgbClr val="660874"/>
       </a:accent2>
       <a:accent3>
         <a:srgbClr val="E6C46D"/>
@@ -6261,10 +6015,10 @@
         <a:srgbClr val="5A8071"/>
       </a:accent6>
       <a:hlink>
-        <a:srgbClr val="828282"/>
+        <a:srgbClr val="007698"/>
       </a:hlink>
       <a:folHlink>
-        <a:srgbClr val="A5A5A5"/>
+        <a:srgbClr val="43064C"/>
       </a:folHlink>
     </a:clrScheme>
     <a:fontScheme name="红利">
